--- a/Week16-FinalProjects/ElisabethChaput/ElisabethChaputFinalProject.pptx
+++ b/Week16-FinalProjects/ElisabethChaput/ElisabethChaputFinalProject.pptx
@@ -24,7 +24,7 @@
     <p:sldId id="269" r:id="rId15"/>
   </p:sldIdLst>
   <p:sldSz cx="12192000" cy="6858000"/>
-  <p:notesSz cx="7315200" cy="9601200"/>
+  <p:notesSz cx="7086600" cy="9372600"/>
   <p:defaultTextStyle>
     <a:defPPr>
       <a:defRPr lang="en-US"/>
@@ -165,15 +165,15 @@
         </p:nvSpPr>
         <p:spPr>
           <a:xfrm>
-            <a:off x="0" y="0"/>
-            <a:ext cx="3169920" cy="481727"/>
+            <a:off x="0" y="1"/>
+            <a:ext cx="3070860" cy="470257"/>
           </a:xfrm>
           <a:prstGeom prst="rect">
             <a:avLst/>
           </a:prstGeom>
         </p:spPr>
         <p:txBody>
-          <a:bodyPr vert="horz" lIns="96661" tIns="48331" rIns="96661" bIns="48331" rtlCol="0"/>
+          <a:bodyPr vert="horz" lIns="94041" tIns="47021" rIns="94041" bIns="47021" rtlCol="0"/>
           <a:lstStyle>
             <a:lvl1pPr algn="l">
               <a:defRPr sz="1300"/>
@@ -196,15 +196,15 @@
         </p:nvSpPr>
         <p:spPr>
           <a:xfrm>
-            <a:off x="4143587" y="0"/>
-            <a:ext cx="3169920" cy="481727"/>
+            <a:off x="4014100" y="1"/>
+            <a:ext cx="3070860" cy="470257"/>
           </a:xfrm>
           <a:prstGeom prst="rect">
             <a:avLst/>
           </a:prstGeom>
         </p:spPr>
         <p:txBody>
-          <a:bodyPr vert="horz" lIns="96661" tIns="48331" rIns="96661" bIns="48331" rtlCol="0"/>
+          <a:bodyPr vert="horz" lIns="94041" tIns="47021" rIns="94041" bIns="47021" rtlCol="0"/>
           <a:lstStyle>
             <a:lvl1pPr algn="r">
               <a:defRPr sz="1300"/>
@@ -231,8 +231,8 @@
         </p:nvSpPr>
         <p:spPr>
           <a:xfrm>
-            <a:off x="777875" y="1200150"/>
-            <a:ext cx="5759450" cy="3240088"/>
+            <a:off x="733425" y="1171575"/>
+            <a:ext cx="5619750" cy="3162300"/>
           </a:xfrm>
           <a:prstGeom prst="rect">
             <a:avLst/>
@@ -245,7 +245,7 @@
           </a:ln>
         </p:spPr>
         <p:txBody>
-          <a:bodyPr vert="horz" lIns="96661" tIns="48331" rIns="96661" bIns="48331" rtlCol="0" anchor="ctr"/>
+          <a:bodyPr vert="horz" lIns="94041" tIns="47021" rIns="94041" bIns="47021" rtlCol="0" anchor="ctr"/>
           <a:lstStyle/>
           <a:p>
             <a:endParaRPr lang="en-US"/>
@@ -264,15 +264,15 @@
         </p:nvSpPr>
         <p:spPr>
           <a:xfrm>
-            <a:off x="731520" y="4620577"/>
-            <a:ext cx="5852160" cy="3780473"/>
+            <a:off x="708660" y="4510564"/>
+            <a:ext cx="5669280" cy="3690462"/>
           </a:xfrm>
           <a:prstGeom prst="rect">
             <a:avLst/>
           </a:prstGeom>
         </p:spPr>
         <p:txBody>
-          <a:bodyPr vert="horz" lIns="96661" tIns="48331" rIns="96661" bIns="48331" rtlCol="0"/>
+          <a:bodyPr vert="horz" lIns="94041" tIns="47021" rIns="94041" bIns="47021" rtlCol="0"/>
           <a:lstStyle/>
           <a:p>
             <a:pPr lvl="0"/>
@@ -323,15 +323,15 @@
         </p:nvSpPr>
         <p:spPr>
           <a:xfrm>
-            <a:off x="0" y="9119474"/>
-            <a:ext cx="3169920" cy="481726"/>
+            <a:off x="0" y="8902344"/>
+            <a:ext cx="3070860" cy="470256"/>
           </a:xfrm>
           <a:prstGeom prst="rect">
             <a:avLst/>
           </a:prstGeom>
         </p:spPr>
         <p:txBody>
-          <a:bodyPr vert="horz" lIns="96661" tIns="48331" rIns="96661" bIns="48331" rtlCol="0" anchor="b"/>
+          <a:bodyPr vert="horz" lIns="94041" tIns="47021" rIns="94041" bIns="47021" rtlCol="0" anchor="b"/>
           <a:lstStyle>
             <a:lvl1pPr algn="l">
               <a:defRPr sz="1300"/>
@@ -354,15 +354,15 @@
         </p:nvSpPr>
         <p:spPr>
           <a:xfrm>
-            <a:off x="4143587" y="9119474"/>
-            <a:ext cx="3169920" cy="481726"/>
+            <a:off x="4014100" y="8902344"/>
+            <a:ext cx="3070860" cy="470256"/>
           </a:xfrm>
           <a:prstGeom prst="rect">
             <a:avLst/>
           </a:prstGeom>
         </p:spPr>
         <p:txBody>
-          <a:bodyPr vert="horz" lIns="96661" tIns="48331" rIns="96661" bIns="48331" rtlCol="0" anchor="b"/>
+          <a:bodyPr vert="horz" lIns="94041" tIns="47021" rIns="94041" bIns="47021" rtlCol="0" anchor="b"/>
           <a:lstStyle>
             <a:lvl1pPr algn="r">
               <a:defRPr sz="1300"/>
@@ -613,7 +613,7 @@
                 <a:spcPct val="107000"/>
               </a:lnSpc>
               <a:spcAft>
-                <a:spcPts val="846"/>
+                <a:spcPts val="823"/>
               </a:spcAft>
             </a:pPr>
             <a:r>
@@ -631,7 +631,7 @@
                 <a:spcPct val="107000"/>
               </a:lnSpc>
               <a:spcAft>
-                <a:spcPts val="846"/>
+                <a:spcPts val="823"/>
               </a:spcAft>
             </a:pPr>
             <a:r>
@@ -657,7 +657,7 @@
                 <a:spcPct val="107000"/>
               </a:lnSpc>
               <a:spcAft>
-                <a:spcPts val="846"/>
+                <a:spcPts val="823"/>
               </a:spcAft>
             </a:pPr>
             <a:r>
@@ -755,7 +755,7 @@
           <a:lstStyle/>
           <a:p>
             <a:r>
-              <a:rPr lang="en-US" sz="1900" kern="100" dirty="0">
+              <a:rPr lang="en-US" sz="1800" kern="100" dirty="0">
                 <a:latin typeface="Calibri" panose="020F0502020204030204" pitchFamily="34" charset="0"/>
                 <a:ea typeface="Calibri" panose="020F0502020204030204" pitchFamily="34" charset="0"/>
                 <a:cs typeface="Times New Roman" panose="02020603050405020304" pitchFamily="18" charset="0"/>
@@ -763,7 +763,7 @@
               <a:t>Given </a:t>
             </a:r>
             <a:r>
-              <a:rPr lang="en-US" sz="1900" kern="100" dirty="0" err="1">
+              <a:rPr lang="en-US" sz="1800" kern="100" dirty="0" err="1">
                 <a:latin typeface="Calibri" panose="020F0502020204030204" pitchFamily="34" charset="0"/>
                 <a:ea typeface="Calibri" panose="020F0502020204030204" pitchFamily="34" charset="0"/>
                 <a:cs typeface="Times New Roman" panose="02020603050405020304" pitchFamily="18" charset="0"/>
@@ -771,7 +771,7 @@
               <a:t>ProteSang’s</a:t>
             </a:r>
             <a:r>
-              <a:rPr lang="en-US" sz="1900" kern="100" dirty="0">
+              <a:rPr lang="en-US" sz="1800" kern="100" dirty="0">
                 <a:latin typeface="Calibri" panose="020F0502020204030204" pitchFamily="34" charset="0"/>
                 <a:ea typeface="Calibri" panose="020F0502020204030204" pitchFamily="34" charset="0"/>
                 <a:cs typeface="Times New Roman" panose="02020603050405020304" pitchFamily="18" charset="0"/>
@@ -779,7 +779,7 @@
               <a:t> needs, I believe both WordPress ($25/</a:t>
             </a:r>
             <a:r>
-              <a:rPr lang="en-US" sz="1900" kern="100" dirty="0" err="1">
+              <a:rPr lang="en-US" sz="1800" kern="100" dirty="0" err="1">
                 <a:latin typeface="Calibri" panose="020F0502020204030204" pitchFamily="34" charset="0"/>
                 <a:ea typeface="Calibri" panose="020F0502020204030204" pitchFamily="34" charset="0"/>
                 <a:cs typeface="Times New Roman" panose="02020603050405020304" pitchFamily="18" charset="0"/>
@@ -787,7 +787,7 @@
               <a:t>mo</a:t>
             </a:r>
             <a:r>
-              <a:rPr lang="en-US" sz="1900" kern="100" dirty="0">
+              <a:rPr lang="en-US" sz="1800" kern="100" dirty="0">
                 <a:latin typeface="Calibri" panose="020F0502020204030204" pitchFamily="34" charset="0"/>
                 <a:ea typeface="Calibri" panose="020F0502020204030204" pitchFamily="34" charset="0"/>
                 <a:cs typeface="Times New Roman" panose="02020603050405020304" pitchFamily="18" charset="0"/>
@@ -795,7 +795,7 @@
               <a:t>) and </a:t>
             </a:r>
             <a:r>
-              <a:rPr lang="en-US" sz="1900" kern="100" dirty="0" err="1">
+              <a:rPr lang="en-US" sz="1800" kern="100" dirty="0" err="1">
                 <a:latin typeface="Calibri" panose="020F0502020204030204" pitchFamily="34" charset="0"/>
                 <a:ea typeface="Calibri" panose="020F0502020204030204" pitchFamily="34" charset="0"/>
                 <a:cs typeface="Times New Roman" panose="02020603050405020304" pitchFamily="18" charset="0"/>
@@ -803,7 +803,7 @@
               <a:t>MadCap</a:t>
             </a:r>
             <a:r>
-              <a:rPr lang="en-US" sz="1900" kern="100" dirty="0">
+              <a:rPr lang="en-US" sz="1800" kern="100" dirty="0">
                 <a:latin typeface="Calibri" panose="020F0502020204030204" pitchFamily="34" charset="0"/>
                 <a:ea typeface="Calibri" panose="020F0502020204030204" pitchFamily="34" charset="0"/>
                 <a:cs typeface="Times New Roman" panose="02020603050405020304" pitchFamily="18" charset="0"/>
@@ -811,7 +811,7 @@
               <a:t> Flare ($182/</a:t>
             </a:r>
             <a:r>
-              <a:rPr lang="en-US" sz="1900" kern="100" dirty="0" err="1">
+              <a:rPr lang="en-US" sz="1800" kern="100" dirty="0" err="1">
                 <a:latin typeface="Calibri" panose="020F0502020204030204" pitchFamily="34" charset="0"/>
                 <a:ea typeface="Calibri" panose="020F0502020204030204" pitchFamily="34" charset="0"/>
                 <a:cs typeface="Times New Roman" panose="02020603050405020304" pitchFamily="18" charset="0"/>
@@ -819,7 +819,7 @@
               <a:t>mo</a:t>
             </a:r>
             <a:r>
-              <a:rPr lang="en-US" sz="1900" kern="100" dirty="0">
+              <a:rPr lang="en-US" sz="1800" kern="100" dirty="0">
                 <a:latin typeface="Calibri" panose="020F0502020204030204" pitchFamily="34" charset="0"/>
                 <a:ea typeface="Calibri" panose="020F0502020204030204" pitchFamily="34" charset="0"/>
                 <a:cs typeface="Times New Roman" panose="02020603050405020304" pitchFamily="18" charset="0"/>
@@ -912,8 +912,8 @@
         </p:nvSpPr>
         <p:spPr>
           <a:xfrm>
-            <a:off x="731520" y="4620577"/>
-            <a:ext cx="5852160" cy="4668896"/>
+            <a:off x="708660" y="4510563"/>
+            <a:ext cx="5669280" cy="4557732"/>
           </a:xfrm>
         </p:spPr>
         <p:txBody>
@@ -1151,7 +1151,7 @@
           <a:lstStyle/>
           <a:p>
             <a:r>
-              <a:rPr lang="en-US" sz="1900" kern="100" dirty="0">
+              <a:rPr lang="en-US" sz="1800" kern="100" dirty="0">
                 <a:latin typeface="Calibri" panose="020F0502020204030204" pitchFamily="34" charset="0"/>
                 <a:ea typeface="Calibri" panose="020F0502020204030204" pitchFamily="34" charset="0"/>
                 <a:cs typeface="Times New Roman" panose="02020603050405020304" pitchFamily="18" charset="0"/>
@@ -1328,7 +1328,50 @@
           <a:bodyPr/>
           <a:lstStyle/>
           <a:p>
-            <a:endParaRPr lang="en-US"/>
+            <a:r>
+              <a:rPr lang="en-US" dirty="0"/>
+              <a:t>I felt like I learned a lot from everything we discussed and I found utility in everything we used, or at least utility in some aspect of everything we used. </a:t>
+            </a:r>
+          </a:p>
+          <a:p>
+            <a:endParaRPr lang="en-US" dirty="0"/>
+          </a:p>
+          <a:p>
+            <a:r>
+              <a:rPr lang="en-US" dirty="0"/>
+              <a:t>Good: MS office, PPT and Excel are all good tools and very common. HTML I really enjoyed because even though it’s hard at first, it makes sense, There’s a rule for everything, so if something’s broken you can figure it out.  Markdown was simple and straightforward. </a:t>
+            </a:r>
+            <a:r>
+              <a:rPr lang="en-US" dirty="0" err="1"/>
+              <a:t>MadCap</a:t>
+            </a:r>
+            <a:r>
+              <a:rPr lang="en-US" dirty="0"/>
+              <a:t> Flare, hard but very useful. DITA with Oxygen Author, also challenging, but very useful.</a:t>
+            </a:r>
+          </a:p>
+          <a:p>
+            <a:endParaRPr lang="en-US" dirty="0"/>
+          </a:p>
+          <a:p>
+            <a:r>
+              <a:rPr lang="en-US" dirty="0"/>
+              <a:t>Bad: Adobe FrameMaker I’ll get to in a bit. But, </a:t>
+            </a:r>
+            <a:r>
+              <a:rPr lang="en-US" dirty="0" err="1"/>
+              <a:t>reST</a:t>
+            </a:r>
+            <a:r>
+              <a:rPr lang="en-US" dirty="0"/>
+              <a:t> I thought was too much and preferred simple lightweight markdown.</a:t>
+            </a:r>
+          </a:p>
+          <a:p>
+            <a:endParaRPr lang="en-US" dirty="0"/>
+          </a:p>
+          <a:p>
+            <a:endParaRPr lang="en-US" dirty="0"/>
           </a:p>
         </p:txBody>
       </p:sp>
@@ -1413,14 +1456,14 @@
           <a:lstStyle/>
           <a:p>
             <a:r>
-              <a:rPr lang="en-US" sz="1900">
+              <a:rPr lang="en-US" dirty="0">
                 <a:latin typeface="Calibri" panose="020F0502020204030204" pitchFamily="34" charset="0"/>
                 <a:ea typeface="Calibri" panose="020F0502020204030204" pitchFamily="34" charset="0"/>
                 <a:cs typeface="Times New Roman" panose="02020603050405020304" pitchFamily="18" charset="0"/>
               </a:rPr>
               <a:t>While I feel the interface is somewhat comparable to Microsoft’s Office Suite which allows for ease of use for my generation and maybe one more after it, it seems unnecessarily complex. Just like with Office, to change a setting for something, you might be able to do it off the top menu or you might have to go ten windows deep. Because of its design, I think those entering the workforce in the next ten years (who have been using the Google Suite just as much as MS Office if not more) will have difficulties with its complex interface and when seeking employment would look elsewhere. For those who do end up taking a job that uses FrameMaker, hopefully their coworkers are helpful and very patient!</a:t>
             </a:r>
-            <a:endParaRPr lang="en-US"/>
+            <a:endParaRPr lang="en-US" dirty="0"/>
           </a:p>
         </p:txBody>
       </p:sp>
@@ -1509,11 +1552,11 @@
                 <a:spcPct val="107000"/>
               </a:lnSpc>
               <a:spcAft>
-                <a:spcPts val="846"/>
+                <a:spcPts val="823"/>
               </a:spcAft>
             </a:pPr>
             <a:r>
-              <a:rPr lang="en-US" sz="1900" kern="100" dirty="0">
+              <a:rPr lang="en-US" sz="1800" kern="100" dirty="0">
                 <a:latin typeface="Calibri" panose="020F0502020204030204" pitchFamily="34" charset="0"/>
                 <a:ea typeface="Calibri" panose="020F0502020204030204" pitchFamily="34" charset="0"/>
                 <a:cs typeface="Times New Roman" panose="02020603050405020304" pitchFamily="18" charset="0"/>
@@ -1521,7 +1564,7 @@
               <a:t>I would use it because my company uses it</a:t>
             </a:r>
             <a:r>
-              <a:rPr lang="en-US" sz="1900" kern="100" dirty="0">
+              <a:rPr lang="en-US" sz="1800" kern="100" dirty="0">
                 <a:latin typeface="Segoe UI Emoji" panose="020B0502040204020203" pitchFamily="34" charset="0"/>
                 <a:ea typeface="Calibri" panose="020F0502020204030204" pitchFamily="34" charset="0"/>
                 <a:cs typeface="Times New Roman" panose="02020603050405020304" pitchFamily="18" charset="0"/>
@@ -1530,7 +1573,7 @@
               <a:t>😊</a:t>
             </a:r>
             <a:r>
-              <a:rPr lang="en-US" sz="1900" kern="100" dirty="0">
+              <a:rPr lang="en-US" sz="1800" kern="100" dirty="0">
                 <a:latin typeface="Calibri" panose="020F0502020204030204" pitchFamily="34" charset="0"/>
                 <a:ea typeface="Calibri" panose="020F0502020204030204" pitchFamily="34" charset="0"/>
                 <a:cs typeface="Times New Roman" panose="02020603050405020304" pitchFamily="18" charset="0"/>
@@ -1538,7 +1581,7 @@
               <a:t> Seriously, I think that larger more established organizations with multiple tech writers and product experts contributing to a product would want FrameMaker for consistency’s sake. Also, for organizations that need to have lots of documentation because it’s required (government) or complex (medical devices), FrameMaker seems to be better suited than something like </a:t>
             </a:r>
             <a:r>
-              <a:rPr lang="en-US" sz="1900" kern="100" dirty="0" err="1">
+              <a:rPr lang="en-US" sz="1800" kern="100" dirty="0" err="1">
                 <a:latin typeface="Calibri" panose="020F0502020204030204" pitchFamily="34" charset="0"/>
                 <a:ea typeface="Calibri" panose="020F0502020204030204" pitchFamily="34" charset="0"/>
                 <a:cs typeface="Times New Roman" panose="02020603050405020304" pitchFamily="18" charset="0"/>
@@ -1546,7 +1589,7 @@
               <a:t>MadCap</a:t>
             </a:r>
             <a:r>
-              <a:rPr lang="en-US" sz="1900" kern="100" dirty="0">
+              <a:rPr lang="en-US" sz="1800" kern="100" dirty="0">
                 <a:latin typeface="Calibri" panose="020F0502020204030204" pitchFamily="34" charset="0"/>
                 <a:ea typeface="Calibri" panose="020F0502020204030204" pitchFamily="34" charset="0"/>
                 <a:cs typeface="Times New Roman" panose="02020603050405020304" pitchFamily="18" charset="0"/>
@@ -1556,7 +1599,7 @@
           </a:p>
           <a:p>
             <a:r>
-              <a:rPr lang="en-US" sz="1900" dirty="0">
+              <a:rPr lang="en-US" sz="1800" dirty="0">
                 <a:latin typeface="Calibri" panose="020F0502020204030204" pitchFamily="34" charset="0"/>
                 <a:ea typeface="Calibri" panose="020F0502020204030204" pitchFamily="34" charset="0"/>
                 <a:cs typeface="Times New Roman" panose="02020603050405020304" pitchFamily="18" charset="0"/>
@@ -1648,51 +1691,16 @@
           <a:lstStyle/>
           <a:p>
             <a:r>
-              <a:rPr lang="en-US" sz="1900" kern="100">
+              <a:rPr lang="en-US" kern="100" dirty="0">
                 <a:latin typeface="Calibri" panose="020F0502020204030204" pitchFamily="34" charset="0"/>
                 <a:ea typeface="Calibri" panose="020F0502020204030204" pitchFamily="34" charset="0"/>
                 <a:cs typeface="Times New Roman" panose="02020603050405020304" pitchFamily="18" charset="0"/>
               </a:rPr>
-              <a:t>It would depend on the scope of the project and how much money/how many resources my company had, but I think would pick </a:t>
-            </a:r>
-            <a:r>
-              <a:rPr lang="en-US" sz="1900" kern="100">
-                <a:highlight>
-                  <a:srgbClr val="FFFF00"/>
-                </a:highlight>
-                <a:latin typeface="Calibri" panose="020F0502020204030204" pitchFamily="34" charset="0"/>
-                <a:ea typeface="Calibri" panose="020F0502020204030204" pitchFamily="34" charset="0"/>
-                <a:cs typeface="Times New Roman" panose="02020603050405020304" pitchFamily="18" charset="0"/>
-              </a:rPr>
-              <a:t>DITA</a:t>
-            </a:r>
-            <a:r>
-              <a:rPr lang="en-US" sz="1900" kern="100">
-                <a:latin typeface="Calibri" panose="020F0502020204030204" pitchFamily="34" charset="0"/>
-                <a:ea typeface="Calibri" panose="020F0502020204030204" pitchFamily="34" charset="0"/>
-                <a:cs typeface="Times New Roman" panose="02020603050405020304" pitchFamily="18" charset="0"/>
-              </a:rPr>
-              <a:t>/Oxygen over </a:t>
-            </a:r>
-            <a:r>
-              <a:rPr lang="en-US" sz="1900" kern="100" err="1">
-                <a:latin typeface="Calibri" panose="020F0502020204030204" pitchFamily="34" charset="0"/>
-                <a:ea typeface="Calibri" panose="020F0502020204030204" pitchFamily="34" charset="0"/>
-                <a:cs typeface="Times New Roman" panose="02020603050405020304" pitchFamily="18" charset="0"/>
-              </a:rPr>
-              <a:t>Framemaker</a:t>
-            </a:r>
-            <a:r>
-              <a:rPr lang="en-US" sz="1900" kern="100">
-                <a:latin typeface="Calibri" panose="020F0502020204030204" pitchFamily="34" charset="0"/>
-                <a:ea typeface="Calibri" panose="020F0502020204030204" pitchFamily="34" charset="0"/>
-                <a:cs typeface="Times New Roman" panose="02020603050405020304" pitchFamily="18" charset="0"/>
-              </a:rPr>
-              <a:t>. Yes, they are complicated (and much of the difficult work was done for me in our exercise—thank you Zoë), but at the same time the Oxygen interface seems much more user-friendly, and DITA’s structure is great for consistency. With anything new, there is much to learn and it’s uncomfortable at first. However, I feel the understanding and skills acquired with DITA and Oxygen are more likely to transfer than what one would learn on FrameMaker. Caveat…this is under the assumption there is already a person on the team with DITA Oxygen experience.</a:t>
-            </a:r>
-          </a:p>
-          <a:p>
-            <a:endParaRPr lang="en-US"/>
+              <a:t>It would depend on the scope of the project and how much money/how many resources my company had, but I think would pick DITA/Oxygen over FrameMaker. Yes, they are complicated (and much of the difficult work was done for me in our exercise—thank you Zoë), but at the same time the Oxygen interface seems much more user-friendly, and DITA’s structure is great for consistency. With anything new, there is much to learn and it’s uncomfortable at first. However, I feel the understanding and skills acquired with DITA and Oxygen are more likely to transfer than what one would learn on FrameMaker. Caveat…this is under the assumption there is already a person on the team with DITA Oxygen experience.</a:t>
+            </a:r>
+          </a:p>
+          <a:p>
+            <a:endParaRPr lang="en-US" dirty="0"/>
           </a:p>
         </p:txBody>
       </p:sp>
@@ -8356,7 +8364,7 @@
           <a:lstStyle/>
           <a:p>
             <a:r>
-              <a:rPr lang="en-US"/>
+              <a:rPr lang="en-US" dirty="0"/>
               <a:t>The Good and the Bad</a:t>
             </a:r>
           </a:p>
@@ -8389,55 +8397,59 @@
           <a:lstStyle/>
           <a:p>
             <a:r>
-              <a:rPr lang="en-US"/>
+              <a:rPr lang="en-US" dirty="0"/>
               <a:t>In Tools and Technologies for Technical Writing, many different tools in the form of applications, programs, languages, and standards were discussed. </a:t>
             </a:r>
           </a:p>
           <a:p>
             <a:r>
               <a:rPr lang="en-US"/>
-              <a:t>Subjectively, this author found utility in everything we used. </a:t>
-            </a:r>
-          </a:p>
-          <a:p>
-            <a:r>
-              <a:rPr lang="en-US"/>
+              <a:t>This </a:t>
+            </a:r>
+            <a:r>
+              <a:rPr lang="en-US" dirty="0"/>
+              <a:t>author found utility in everything we used. </a:t>
+            </a:r>
+          </a:p>
+          <a:p>
+            <a:r>
+              <a:rPr lang="en-US" dirty="0"/>
               <a:t>However, when taking efficiency and adaptability into account, some tools were better than others.</a:t>
             </a:r>
           </a:p>
           <a:p>
-            <a:endParaRPr lang="en-US"/>
-          </a:p>
-          <a:p>
-            <a:r>
-              <a:rPr lang="en-US"/>
+            <a:endParaRPr lang="en-US" dirty="0"/>
+          </a:p>
+          <a:p>
+            <a:r>
+              <a:rPr lang="en-US" dirty="0"/>
               <a:t>Good: Microsoft Suite, HTML, Markdown, </a:t>
             </a:r>
             <a:r>
-              <a:rPr lang="en-US" err="1"/>
+              <a:rPr lang="en-US" dirty="0" err="1"/>
               <a:t>MadCap</a:t>
             </a:r>
             <a:r>
-              <a:rPr lang="en-US"/>
-              <a:t> Flare, DITA, Oxygen Author, </a:t>
-            </a:r>
-          </a:p>
-          <a:p>
-            <a:r>
-              <a:rPr lang="en-US"/>
+              <a:rPr lang="en-US" dirty="0"/>
+              <a:t> Flare, DITA, Oxygen Author </a:t>
+            </a:r>
+          </a:p>
+          <a:p>
+            <a:r>
+              <a:rPr lang="en-US" dirty="0"/>
               <a:t>Bad: Adobe FrameMaker, </a:t>
             </a:r>
             <a:r>
-              <a:rPr lang="en-US" err="1"/>
+              <a:rPr lang="en-US" dirty="0" err="1"/>
               <a:t>reST</a:t>
             </a:r>
-            <a:endParaRPr lang="en-US"/>
-          </a:p>
-          <a:p>
-            <a:endParaRPr lang="en-US"/>
-          </a:p>
-          <a:p>
-            <a:endParaRPr lang="en-US"/>
+            <a:endParaRPr lang="en-US" dirty="0"/>
+          </a:p>
+          <a:p>
+            <a:endParaRPr lang="en-US" dirty="0"/>
+          </a:p>
+          <a:p>
+            <a:endParaRPr lang="en-US" dirty="0"/>
           </a:p>
         </p:txBody>
       </p:sp>
